--- a/Electronics and Pneumatics/PDMS ShotBot wiring.pptx
+++ b/Electronics and Pneumatics/PDMS ShotBot wiring.pptx
@@ -3440,7 +3440,7 @@
         </p:blipFill>
         <p:spPr>
           <a:xfrm rot="5400000">
-            <a:off x="747441" y="2927583"/>
+            <a:off x="1909491" y="3060934"/>
             <a:ext cx="7116792" cy="6469811"/>
           </a:xfrm>
           <a:prstGeom prst="rect">
@@ -3456,7 +3456,7 @@
         </p:nvSpPr>
         <p:spPr>
           <a:xfrm>
-            <a:off x="1816403" y="2612204"/>
+            <a:off x="6355050" y="2773424"/>
             <a:ext cx="2777057" cy="415498"/>
           </a:xfrm>
           <a:prstGeom prst="rect">
@@ -3485,7 +3485,7 @@
         </p:nvSpPr>
         <p:spPr>
           <a:xfrm>
-            <a:off x="4673901" y="9041180"/>
+            <a:off x="5865394" y="9106743"/>
             <a:ext cx="1988820" cy="553998"/>
           </a:xfrm>
           <a:prstGeom prst="rect">
@@ -3514,13 +3514,18 @@
         </p:nvSpPr>
         <p:spPr>
           <a:xfrm>
-            <a:off x="2490771" y="9495822"/>
-            <a:ext cx="4171950" cy="523220"/>
+            <a:off x="3825749" y="10208881"/>
+            <a:ext cx="3496586" cy="954107"/>
           </a:xfrm>
           <a:prstGeom prst="rect">
             <a:avLst/>
           </a:prstGeom>
           <a:noFill/>
+          <a:ln>
+            <a:solidFill>
+              <a:schemeClr val="tx1"/>
+            </a:solidFill>
+          </a:ln>
         </p:spPr>
         <p:txBody>
           <a:bodyPr wrap="square" rtlCol="0">
@@ -3528,10 +3533,17 @@
           </a:bodyPr>
           <a:lstStyle/>
           <a:p>
-            <a:pPr algn="r"/>
+            <a:r>
+              <a:rPr lang="en-US" sz="2800" dirty="0" err="1" smtClean="0"/>
+              <a:t>RAMBo</a:t>
+            </a:r>
+            <a:r>
+              <a:rPr lang="en-US" sz="2800" dirty="0" smtClean="0"/>
+              <a:t> power supply: </a:t>
+            </a:r>
             <a:r>
               <a:rPr lang="en-US" sz="2800" dirty="0"/>
-              <a:t>Input power: 12V DC; 30A</a:t>
+              <a:t>12V DC; 30A</a:t>
             </a:r>
           </a:p>
         </p:txBody>
@@ -3544,7 +3556,7 @@
         </p:nvCxnSpPr>
         <p:spPr>
           <a:xfrm>
-            <a:off x="6896100" y="5086350"/>
+            <a:off x="8058150" y="5219701"/>
             <a:ext cx="1562100" cy="0"/>
           </a:xfrm>
           <a:prstGeom prst="line">
@@ -3575,7 +3587,7 @@
         </p:nvCxnSpPr>
         <p:spPr>
           <a:xfrm>
-            <a:off x="6896100" y="5372100"/>
+            <a:off x="8058150" y="5505451"/>
             <a:ext cx="1562100" cy="0"/>
           </a:xfrm>
           <a:prstGeom prst="line">
@@ -3610,7 +3622,7 @@
         </p:nvSpPr>
         <p:spPr>
           <a:xfrm>
-            <a:off x="8362950" y="4257586"/>
+            <a:off x="9525000" y="4390937"/>
             <a:ext cx="2819400" cy="1200329"/>
           </a:xfrm>
           <a:prstGeom prst="rect">
@@ -3646,7 +3658,7 @@
         </p:nvCxnSpPr>
         <p:spPr>
           <a:xfrm>
-            <a:off x="6896100" y="6305550"/>
+            <a:off x="8058150" y="6438901"/>
             <a:ext cx="2590800" cy="0"/>
           </a:xfrm>
           <a:prstGeom prst="line">
@@ -3677,7 +3689,7 @@
         </p:nvCxnSpPr>
         <p:spPr>
           <a:xfrm>
-            <a:off x="6896100" y="6591300"/>
+            <a:off x="8058150" y="6724651"/>
             <a:ext cx="2171700" cy="0"/>
           </a:xfrm>
           <a:prstGeom prst="line">
@@ -3712,7 +3724,7 @@
         </p:nvCxnSpPr>
         <p:spPr>
           <a:xfrm>
-            <a:off x="9067800" y="6572250"/>
+            <a:off x="10229850" y="6705601"/>
             <a:ext cx="0" cy="1504950"/>
           </a:xfrm>
           <a:prstGeom prst="line">
@@ -3747,7 +3759,7 @@
         </p:nvCxnSpPr>
         <p:spPr>
           <a:xfrm>
-            <a:off x="9486900" y="6305550"/>
+            <a:off x="10648950" y="6438901"/>
             <a:ext cx="0" cy="1771650"/>
           </a:xfrm>
           <a:prstGeom prst="line">
@@ -3778,7 +3790,7 @@
         </p:nvSpPr>
         <p:spPr>
           <a:xfrm>
-            <a:off x="8191500" y="7993430"/>
+            <a:off x="9353550" y="8126781"/>
             <a:ext cx="2324100" cy="1155957"/>
           </a:xfrm>
           <a:prstGeom prst="rect">
@@ -3814,7 +3826,7 @@
         </p:nvCxnSpPr>
         <p:spPr>
           <a:xfrm>
-            <a:off x="3733800" y="8267700"/>
+            <a:off x="4895850" y="8401051"/>
             <a:ext cx="4629150" cy="0"/>
           </a:xfrm>
           <a:prstGeom prst="line">
@@ -3849,7 +3861,7 @@
         </p:nvCxnSpPr>
         <p:spPr>
           <a:xfrm>
-            <a:off x="3905250" y="8419008"/>
+            <a:off x="5067300" y="8552359"/>
             <a:ext cx="4510071" cy="0"/>
           </a:xfrm>
           <a:prstGeom prst="line">
@@ -3884,7 +3896,7 @@
         </p:nvCxnSpPr>
         <p:spPr>
           <a:xfrm>
-            <a:off x="3943350" y="8399958"/>
+            <a:off x="5105400" y="8533309"/>
             <a:ext cx="1379" cy="273179"/>
           </a:xfrm>
           <a:prstGeom prst="line">
@@ -3919,7 +3931,7 @@
         </p:nvCxnSpPr>
         <p:spPr>
           <a:xfrm flipH="1">
-            <a:off x="3744455" y="8226007"/>
+            <a:off x="4906505" y="8359358"/>
             <a:ext cx="1" cy="447130"/>
           </a:xfrm>
           <a:prstGeom prst="line">
@@ -3983,7 +3995,7 @@
         </p:blipFill>
         <p:spPr>
           <a:xfrm rot="175893">
-            <a:off x="11481178" y="4293917"/>
+            <a:off x="12643228" y="4427268"/>
             <a:ext cx="5753100" cy="3638550"/>
           </a:xfrm>
           <a:prstGeom prst="rect">
@@ -3999,7 +4011,7 @@
         </p:nvSpPr>
         <p:spPr>
           <a:xfrm>
-            <a:off x="3204931" y="7195320"/>
+            <a:off x="4366981" y="7328671"/>
             <a:ext cx="1988069" cy="461665"/>
           </a:xfrm>
           <a:prstGeom prst="rect">
@@ -4032,7 +4044,7 @@
         </p:nvSpPr>
         <p:spPr>
           <a:xfrm>
-            <a:off x="12790086" y="3780532"/>
+            <a:off x="13952136" y="3913883"/>
             <a:ext cx="3135284" cy="954107"/>
           </a:xfrm>
           <a:prstGeom prst="rect">
@@ -4048,7 +4060,7 @@
           <a:p>
             <a:r>
               <a:rPr lang="en-US" sz="2800" dirty="0" smtClean="0"/>
-              <a:t>Electro-pneumatic transducer</a:t>
+              <a:t>PWM-Voltage Transducer</a:t>
             </a:r>
             <a:endParaRPr lang="en-US" sz="2800" dirty="0"/>
           </a:p>
@@ -4062,7 +4074,7 @@
         </p:nvCxnSpPr>
         <p:spPr>
           <a:xfrm>
-            <a:off x="6896100" y="5695950"/>
+            <a:off x="8058150" y="5829301"/>
             <a:ext cx="5695950" cy="0"/>
           </a:xfrm>
           <a:prstGeom prst="line">
@@ -4093,7 +4105,7 @@
         </p:nvCxnSpPr>
         <p:spPr>
           <a:xfrm>
-            <a:off x="6896100" y="5962650"/>
+            <a:off x="8058150" y="6096001"/>
             <a:ext cx="5695950" cy="0"/>
           </a:xfrm>
           <a:prstGeom prst="line">
@@ -4128,7 +4140,7 @@
         </p:nvCxnSpPr>
         <p:spPr>
           <a:xfrm flipH="1">
-            <a:off x="11705000" y="6843791"/>
+            <a:off x="12867050" y="6977142"/>
             <a:ext cx="53201" cy="2305596"/>
           </a:xfrm>
           <a:prstGeom prst="line">
@@ -4163,7 +4175,7 @@
         </p:nvCxnSpPr>
         <p:spPr>
           <a:xfrm flipV="1">
-            <a:off x="11380692" y="6414468"/>
+            <a:off x="12542742" y="6547819"/>
             <a:ext cx="32646" cy="2734919"/>
           </a:xfrm>
           <a:prstGeom prst="line">
@@ -4198,7 +4210,7 @@
         </p:nvCxnSpPr>
         <p:spPr>
           <a:xfrm>
-            <a:off x="11383590" y="6414466"/>
+            <a:off x="12545640" y="6547817"/>
             <a:ext cx="1208460" cy="27337"/>
           </a:xfrm>
           <a:prstGeom prst="line">
@@ -4233,7 +4245,7 @@
         </p:nvCxnSpPr>
         <p:spPr>
           <a:xfrm flipH="1">
-            <a:off x="11710604" y="6843791"/>
+            <a:off x="12872654" y="6977142"/>
             <a:ext cx="881446" cy="0"/>
           </a:xfrm>
           <a:prstGeom prst="line">
@@ -4268,8 +4280,8 @@
         </p:nvSpPr>
         <p:spPr>
           <a:xfrm>
-            <a:off x="11182350" y="9045991"/>
-            <a:ext cx="2324100" cy="1155957"/>
+            <a:off x="12344400" y="9179342"/>
+            <a:ext cx="4210050" cy="1155957"/>
           </a:xfrm>
           <a:prstGeom prst="rect">
             <a:avLst/>
@@ -4289,8 +4301,1116 @@
           <a:p>
             <a:pPr algn="ctr"/>
             <a:r>
+              <a:rPr lang="en-US" dirty="0" err="1" smtClean="0"/>
+              <a:t>Electropneumatic</a:t>
+            </a:r>
+            <a:r>
               <a:rPr lang="en-US" dirty="0" smtClean="0"/>
-              <a:t>Pressure thingy</a:t>
+              <a:t> (E/P) transducer</a:t>
+            </a:r>
+            <a:endParaRPr lang="en-US" dirty="0"/>
+          </a:p>
+        </p:txBody>
+      </p:sp>
+      <p:cxnSp>
+        <p:nvCxnSpPr>
+          <p:cNvPr id="296" name="Straight Connector 295"/>
+          <p:cNvCxnSpPr/>
+          <p:nvPr/>
+        </p:nvCxnSpPr>
+        <p:spPr>
+          <a:xfrm flipH="1">
+            <a:off x="4686300" y="3467101"/>
+            <a:ext cx="315455" cy="0"/>
+          </a:xfrm>
+          <a:prstGeom prst="line">
+            <a:avLst/>
+          </a:prstGeom>
+          <a:ln w="76200"/>
+        </p:spPr>
+        <p:style>
+          <a:lnRef idx="1">
+            <a:schemeClr val="dk1"/>
+          </a:lnRef>
+          <a:fillRef idx="0">
+            <a:schemeClr val="dk1"/>
+          </a:fillRef>
+          <a:effectRef idx="0">
+            <a:schemeClr val="dk1"/>
+          </a:effectRef>
+          <a:fontRef idx="minor">
+            <a:schemeClr val="tx1"/>
+          </a:fontRef>
+        </p:style>
+      </p:cxnSp>
+      <p:cxnSp>
+        <p:nvCxnSpPr>
+          <p:cNvPr id="300" name="Straight Connector 299"/>
+          <p:cNvCxnSpPr/>
+          <p:nvPr/>
+        </p:nvCxnSpPr>
+        <p:spPr>
+          <a:xfrm flipH="1">
+            <a:off x="4133850" y="4066283"/>
+            <a:ext cx="919729" cy="14424"/>
+          </a:xfrm>
+          <a:prstGeom prst="line">
+            <a:avLst/>
+          </a:prstGeom>
+          <a:ln w="76200"/>
+        </p:spPr>
+        <p:style>
+          <a:lnRef idx="1">
+            <a:schemeClr val="dk1"/>
+          </a:lnRef>
+          <a:fillRef idx="0">
+            <a:schemeClr val="dk1"/>
+          </a:fillRef>
+          <a:effectRef idx="0">
+            <a:schemeClr val="dk1"/>
+          </a:effectRef>
+          <a:fontRef idx="minor">
+            <a:schemeClr val="tx1"/>
+          </a:fontRef>
+        </p:style>
+      </p:cxnSp>
+      <p:cxnSp>
+        <p:nvCxnSpPr>
+          <p:cNvPr id="301" name="Straight Connector 300"/>
+          <p:cNvCxnSpPr/>
+          <p:nvPr/>
+        </p:nvCxnSpPr>
+        <p:spPr>
+          <a:xfrm flipH="1">
+            <a:off x="3652821" y="4694933"/>
+            <a:ext cx="1400756" cy="0"/>
+          </a:xfrm>
+          <a:prstGeom prst="line">
+            <a:avLst/>
+          </a:prstGeom>
+          <a:ln w="76200"/>
+        </p:spPr>
+        <p:style>
+          <a:lnRef idx="1">
+            <a:schemeClr val="dk1"/>
+          </a:lnRef>
+          <a:fillRef idx="0">
+            <a:schemeClr val="dk1"/>
+          </a:fillRef>
+          <a:effectRef idx="0">
+            <a:schemeClr val="dk1"/>
+          </a:effectRef>
+          <a:fontRef idx="minor">
+            <a:schemeClr val="tx1"/>
+          </a:fontRef>
+        </p:style>
+      </p:cxnSp>
+      <p:cxnSp>
+        <p:nvCxnSpPr>
+          <p:cNvPr id="306" name="Straight Connector 305"/>
+          <p:cNvCxnSpPr/>
+          <p:nvPr/>
+        </p:nvCxnSpPr>
+        <p:spPr>
+          <a:xfrm flipH="1">
+            <a:off x="4450839" y="3600451"/>
+            <a:ext cx="583689" cy="0"/>
+          </a:xfrm>
+          <a:prstGeom prst="line">
+            <a:avLst/>
+          </a:prstGeom>
+          <a:ln w="76200">
+            <a:solidFill>
+              <a:srgbClr val="FF0000"/>
+            </a:solidFill>
+          </a:ln>
+        </p:spPr>
+        <p:style>
+          <a:lnRef idx="1">
+            <a:schemeClr val="dk1"/>
+          </a:lnRef>
+          <a:fillRef idx="0">
+            <a:schemeClr val="dk1"/>
+          </a:fillRef>
+          <a:effectRef idx="0">
+            <a:schemeClr val="dk1"/>
+          </a:effectRef>
+          <a:fontRef idx="minor">
+            <a:schemeClr val="tx1"/>
+          </a:fontRef>
+        </p:style>
+      </p:cxnSp>
+      <p:cxnSp>
+        <p:nvCxnSpPr>
+          <p:cNvPr id="308" name="Straight Connector 307"/>
+          <p:cNvCxnSpPr/>
+          <p:nvPr/>
+        </p:nvCxnSpPr>
+        <p:spPr>
+          <a:xfrm flipH="1">
+            <a:off x="4019550" y="4263483"/>
+            <a:ext cx="1034028" cy="0"/>
+          </a:xfrm>
+          <a:prstGeom prst="line">
+            <a:avLst/>
+          </a:prstGeom>
+          <a:ln w="76200">
+            <a:solidFill>
+              <a:srgbClr val="FF0000"/>
+            </a:solidFill>
+          </a:ln>
+        </p:spPr>
+        <p:style>
+          <a:lnRef idx="1">
+            <a:schemeClr val="dk1"/>
+          </a:lnRef>
+          <a:fillRef idx="0">
+            <a:schemeClr val="dk1"/>
+          </a:fillRef>
+          <a:effectRef idx="0">
+            <a:schemeClr val="dk1"/>
+          </a:effectRef>
+          <a:fontRef idx="minor">
+            <a:schemeClr val="tx1"/>
+          </a:fontRef>
+        </p:style>
+      </p:cxnSp>
+      <p:cxnSp>
+        <p:nvCxnSpPr>
+          <p:cNvPr id="312" name="Straight Connector 311"/>
+          <p:cNvCxnSpPr/>
+          <p:nvPr/>
+        </p:nvCxnSpPr>
+        <p:spPr>
+          <a:xfrm flipH="1">
+            <a:off x="3429000" y="4867990"/>
+            <a:ext cx="1624578" cy="0"/>
+          </a:xfrm>
+          <a:prstGeom prst="line">
+            <a:avLst/>
+          </a:prstGeom>
+          <a:ln w="76200">
+            <a:solidFill>
+              <a:srgbClr val="FF0000"/>
+            </a:solidFill>
+          </a:ln>
+        </p:spPr>
+        <p:style>
+          <a:lnRef idx="1">
+            <a:schemeClr val="dk1"/>
+          </a:lnRef>
+          <a:fillRef idx="0">
+            <a:schemeClr val="dk1"/>
+          </a:fillRef>
+          <a:effectRef idx="0">
+            <a:schemeClr val="dk1"/>
+          </a:effectRef>
+          <a:fontRef idx="minor">
+            <a:schemeClr val="tx1"/>
+          </a:fontRef>
+        </p:style>
+      </p:cxnSp>
+      <p:cxnSp>
+        <p:nvCxnSpPr>
+          <p:cNvPr id="314" name="Straight Connector 313"/>
+          <p:cNvCxnSpPr/>
+          <p:nvPr/>
+        </p:nvCxnSpPr>
+        <p:spPr>
+          <a:xfrm>
+            <a:off x="3443272" y="2439286"/>
+            <a:ext cx="16419" cy="2428704"/>
+          </a:xfrm>
+          <a:prstGeom prst="line">
+            <a:avLst/>
+          </a:prstGeom>
+          <a:ln w="76200">
+            <a:solidFill>
+              <a:srgbClr val="FF0000"/>
+            </a:solidFill>
+          </a:ln>
+        </p:spPr>
+        <p:style>
+          <a:lnRef idx="1">
+            <a:schemeClr val="dk1"/>
+          </a:lnRef>
+          <a:fillRef idx="0">
+            <a:schemeClr val="dk1"/>
+          </a:fillRef>
+          <a:effectRef idx="0">
+            <a:schemeClr val="dk1"/>
+          </a:effectRef>
+          <a:fontRef idx="minor">
+            <a:schemeClr val="tx1"/>
+          </a:fontRef>
+        </p:style>
+      </p:cxnSp>
+      <p:cxnSp>
+        <p:nvCxnSpPr>
+          <p:cNvPr id="316" name="Straight Connector 315"/>
+          <p:cNvCxnSpPr/>
+          <p:nvPr/>
+        </p:nvCxnSpPr>
+        <p:spPr>
+          <a:xfrm flipH="1">
+            <a:off x="3691557" y="2467690"/>
+            <a:ext cx="8064" cy="2237104"/>
+          </a:xfrm>
+          <a:prstGeom prst="line">
+            <a:avLst/>
+          </a:prstGeom>
+          <a:ln w="76200"/>
+        </p:spPr>
+        <p:style>
+          <a:lnRef idx="1">
+            <a:schemeClr val="dk1"/>
+          </a:lnRef>
+          <a:fillRef idx="0">
+            <a:schemeClr val="dk1"/>
+          </a:fillRef>
+          <a:effectRef idx="0">
+            <a:schemeClr val="dk1"/>
+          </a:effectRef>
+          <a:fontRef idx="minor">
+            <a:schemeClr val="tx1"/>
+          </a:fontRef>
+        </p:style>
+      </p:cxnSp>
+      <p:cxnSp>
+        <p:nvCxnSpPr>
+          <p:cNvPr id="319" name="Straight Connector 318"/>
+          <p:cNvCxnSpPr/>
+          <p:nvPr/>
+        </p:nvCxnSpPr>
+        <p:spPr>
+          <a:xfrm>
+            <a:off x="4019550" y="2486740"/>
+            <a:ext cx="0" cy="1814843"/>
+          </a:xfrm>
+          <a:prstGeom prst="line">
+            <a:avLst/>
+          </a:prstGeom>
+          <a:ln w="76200">
+            <a:solidFill>
+              <a:srgbClr val="FF0000"/>
+            </a:solidFill>
+          </a:ln>
+        </p:spPr>
+        <p:style>
+          <a:lnRef idx="1">
+            <a:schemeClr val="dk1"/>
+          </a:lnRef>
+          <a:fillRef idx="0">
+            <a:schemeClr val="dk1"/>
+          </a:fillRef>
+          <a:effectRef idx="0">
+            <a:schemeClr val="dk1"/>
+          </a:effectRef>
+          <a:fontRef idx="minor">
+            <a:schemeClr val="tx1"/>
+          </a:fontRef>
+        </p:style>
+      </p:cxnSp>
+      <p:cxnSp>
+        <p:nvCxnSpPr>
+          <p:cNvPr id="329" name="Straight Connector 328"/>
+          <p:cNvCxnSpPr/>
+          <p:nvPr/>
+        </p:nvCxnSpPr>
+        <p:spPr>
+          <a:xfrm flipH="1">
+            <a:off x="4168888" y="2488965"/>
+            <a:ext cx="21922" cy="1558269"/>
+          </a:xfrm>
+          <a:prstGeom prst="line">
+            <a:avLst/>
+          </a:prstGeom>
+          <a:ln w="76200"/>
+        </p:spPr>
+        <p:style>
+          <a:lnRef idx="1">
+            <a:schemeClr val="dk1"/>
+          </a:lnRef>
+          <a:fillRef idx="0">
+            <a:schemeClr val="dk1"/>
+          </a:fillRef>
+          <a:effectRef idx="0">
+            <a:schemeClr val="dk1"/>
+          </a:effectRef>
+          <a:fontRef idx="minor">
+            <a:schemeClr val="tx1"/>
+          </a:fontRef>
+        </p:style>
+      </p:cxnSp>
+      <p:cxnSp>
+        <p:nvCxnSpPr>
+          <p:cNvPr id="332" name="Straight Connector 331"/>
+          <p:cNvCxnSpPr/>
+          <p:nvPr/>
+        </p:nvCxnSpPr>
+        <p:spPr>
+          <a:xfrm>
+            <a:off x="4471962" y="2477038"/>
+            <a:ext cx="10888" cy="1160612"/>
+          </a:xfrm>
+          <a:prstGeom prst="line">
+            <a:avLst/>
+          </a:prstGeom>
+          <a:ln w="76200">
+            <a:solidFill>
+              <a:srgbClr val="FF0000"/>
+            </a:solidFill>
+          </a:ln>
+        </p:spPr>
+        <p:style>
+          <a:lnRef idx="1">
+            <a:schemeClr val="dk1"/>
+          </a:lnRef>
+          <a:fillRef idx="0">
+            <a:schemeClr val="dk1"/>
+          </a:fillRef>
+          <a:effectRef idx="0">
+            <a:schemeClr val="dk1"/>
+          </a:effectRef>
+          <a:fontRef idx="minor">
+            <a:schemeClr val="tx1"/>
+          </a:fontRef>
+        </p:style>
+      </p:cxnSp>
+      <p:cxnSp>
+        <p:nvCxnSpPr>
+          <p:cNvPr id="336" name="Straight Connector 335"/>
+          <p:cNvCxnSpPr/>
+          <p:nvPr/>
+        </p:nvCxnSpPr>
+        <p:spPr>
+          <a:xfrm>
+            <a:off x="4723634" y="2467690"/>
+            <a:ext cx="0" cy="1019937"/>
+          </a:xfrm>
+          <a:prstGeom prst="line">
+            <a:avLst/>
+          </a:prstGeom>
+          <a:ln w="76200"/>
+        </p:spPr>
+        <p:style>
+          <a:lnRef idx="1">
+            <a:schemeClr val="dk1"/>
+          </a:lnRef>
+          <a:fillRef idx="0">
+            <a:schemeClr val="dk1"/>
+          </a:fillRef>
+          <a:effectRef idx="0">
+            <a:schemeClr val="dk1"/>
+          </a:effectRef>
+          <a:fontRef idx="minor">
+            <a:schemeClr val="tx1"/>
+          </a:fontRef>
+        </p:style>
+      </p:cxnSp>
+      <p:sp>
+        <p:nvSpPr>
+          <p:cNvPr id="343" name="Rectangle 342"/>
+          <p:cNvSpPr/>
+          <p:nvPr/>
+        </p:nvSpPr>
+        <p:spPr>
+          <a:xfrm>
+            <a:off x="2771775" y="2114551"/>
+            <a:ext cx="2589240" cy="372189"/>
+          </a:xfrm>
+          <a:prstGeom prst="rect">
+            <a:avLst/>
+          </a:prstGeom>
+          <a:solidFill>
+            <a:schemeClr val="bg1"/>
+          </a:solidFill>
+          <a:ln>
+            <a:noFill/>
+          </a:ln>
+        </p:spPr>
+        <p:style>
+          <a:lnRef idx="2">
+            <a:schemeClr val="accent1">
+              <a:shade val="50000"/>
+            </a:schemeClr>
+          </a:lnRef>
+          <a:fillRef idx="1">
+            <a:schemeClr val="accent1"/>
+          </a:fillRef>
+          <a:effectRef idx="0">
+            <a:schemeClr val="accent1"/>
+          </a:effectRef>
+          <a:fontRef idx="minor">
+            <a:schemeClr val="lt1"/>
+          </a:fontRef>
+        </p:style>
+        <p:txBody>
+          <a:bodyPr rtlCol="0" anchor="ctr"/>
+          <a:lstStyle/>
+          <a:p>
+            <a:pPr algn="ctr"/>
+            <a:endParaRPr lang="en-US"/>
+          </a:p>
+        </p:txBody>
+      </p:sp>
+      <p:sp>
+        <p:nvSpPr>
+          <p:cNvPr id="344" name="TextBox 343"/>
+          <p:cNvSpPr txBox="1"/>
+          <p:nvPr/>
+        </p:nvSpPr>
+        <p:spPr>
+          <a:xfrm rot="16200000">
+            <a:off x="2918324" y="1656297"/>
+            <a:ext cx="1262093" cy="400110"/>
+          </a:xfrm>
+          <a:prstGeom prst="rect">
+            <a:avLst/>
+          </a:prstGeom>
+          <a:noFill/>
+        </p:spPr>
+        <p:txBody>
+          <a:bodyPr wrap="square" rtlCol="0">
+            <a:spAutoFit/>
+          </a:bodyPr>
+          <a:lstStyle/>
+          <a:p>
+            <a:r>
+              <a:rPr lang="en-US" sz="2000" dirty="0" smtClean="0"/>
+              <a:t>Z </a:t>
+            </a:r>
+            <a:r>
+              <a:rPr lang="en-US" sz="2000" dirty="0" err="1" smtClean="0"/>
+              <a:t>endstop</a:t>
+            </a:r>
+            <a:endParaRPr lang="en-US" sz="2000" dirty="0"/>
+          </a:p>
+        </p:txBody>
+      </p:sp>
+      <p:sp>
+        <p:nvSpPr>
+          <p:cNvPr id="345" name="TextBox 344"/>
+          <p:cNvSpPr txBox="1"/>
+          <p:nvPr/>
+        </p:nvSpPr>
+        <p:spPr>
+          <a:xfrm rot="16200000">
+            <a:off x="3455208" y="1684716"/>
+            <a:ext cx="1262093" cy="400110"/>
+          </a:xfrm>
+          <a:prstGeom prst="rect">
+            <a:avLst/>
+          </a:prstGeom>
+          <a:noFill/>
+        </p:spPr>
+        <p:txBody>
+          <a:bodyPr wrap="square" rtlCol="0">
+            <a:spAutoFit/>
+          </a:bodyPr>
+          <a:lstStyle/>
+          <a:p>
+            <a:r>
+              <a:rPr lang="en-US" sz="2000" dirty="0" smtClean="0"/>
+              <a:t>Y </a:t>
+            </a:r>
+            <a:r>
+              <a:rPr lang="en-US" sz="2000" dirty="0" err="1" smtClean="0"/>
+              <a:t>endstop</a:t>
+            </a:r>
+            <a:endParaRPr lang="en-US" sz="2000" dirty="0"/>
+          </a:p>
+        </p:txBody>
+      </p:sp>
+      <p:sp>
+        <p:nvSpPr>
+          <p:cNvPr id="346" name="TextBox 345"/>
+          <p:cNvSpPr txBox="1"/>
+          <p:nvPr/>
+        </p:nvSpPr>
+        <p:spPr>
+          <a:xfrm rot="16200000">
+            <a:off x="3962668" y="1665036"/>
+            <a:ext cx="1262093" cy="400110"/>
+          </a:xfrm>
+          <a:prstGeom prst="rect">
+            <a:avLst/>
+          </a:prstGeom>
+          <a:noFill/>
+        </p:spPr>
+        <p:txBody>
+          <a:bodyPr wrap="square" rtlCol="0">
+            <a:spAutoFit/>
+          </a:bodyPr>
+          <a:lstStyle/>
+          <a:p>
+            <a:r>
+              <a:rPr lang="en-US" sz="2000" dirty="0" smtClean="0"/>
+              <a:t>X </a:t>
+            </a:r>
+            <a:r>
+              <a:rPr lang="en-US" sz="2000" dirty="0" err="1" smtClean="0"/>
+              <a:t>endstop</a:t>
+            </a:r>
+            <a:endParaRPr lang="en-US" sz="2000" dirty="0"/>
+          </a:p>
+        </p:txBody>
+      </p:sp>
+      <p:sp>
+        <p:nvSpPr>
+          <p:cNvPr id="347" name="TextBox 346"/>
+          <p:cNvSpPr txBox="1"/>
+          <p:nvPr/>
+        </p:nvSpPr>
+        <p:spPr>
+          <a:xfrm>
+            <a:off x="3860799" y="12558531"/>
+            <a:ext cx="3097500" cy="954107"/>
+          </a:xfrm>
+          <a:prstGeom prst="rect">
+            <a:avLst/>
+          </a:prstGeom>
+          <a:noFill/>
+          <a:ln>
+            <a:solidFill>
+              <a:schemeClr val="tx1"/>
+            </a:solidFill>
+          </a:ln>
+        </p:spPr>
+        <p:txBody>
+          <a:bodyPr wrap="square" rtlCol="0">
+            <a:spAutoFit/>
+          </a:bodyPr>
+          <a:lstStyle/>
+          <a:p>
+            <a:pPr algn="r"/>
+            <a:r>
+              <a:rPr lang="en-US" sz="2800" dirty="0" err="1" smtClean="0"/>
+              <a:t>ShopBot</a:t>
+            </a:r>
+            <a:r>
+              <a:rPr lang="en-US" sz="2800" dirty="0" smtClean="0"/>
+              <a:t> 48V built-in power supply</a:t>
+            </a:r>
+            <a:endParaRPr lang="en-US" sz="2800" dirty="0"/>
+          </a:p>
+        </p:txBody>
+      </p:sp>
+      <p:cxnSp>
+        <p:nvCxnSpPr>
+          <p:cNvPr id="348" name="Straight Connector 347"/>
+          <p:cNvCxnSpPr/>
+          <p:nvPr/>
+        </p:nvCxnSpPr>
+        <p:spPr>
+          <a:xfrm>
+            <a:off x="6089650" y="9529744"/>
+            <a:ext cx="0" cy="805555"/>
+          </a:xfrm>
+          <a:prstGeom prst="line">
+            <a:avLst/>
+          </a:prstGeom>
+          <a:ln w="76200">
+            <a:solidFill>
+              <a:srgbClr val="FF0000"/>
+            </a:solidFill>
+          </a:ln>
+        </p:spPr>
+        <p:style>
+          <a:lnRef idx="1">
+            <a:schemeClr val="dk1"/>
+          </a:lnRef>
+          <a:fillRef idx="0">
+            <a:schemeClr val="dk1"/>
+          </a:fillRef>
+          <a:effectRef idx="0">
+            <a:schemeClr val="dk1"/>
+          </a:effectRef>
+          <a:fontRef idx="minor">
+            <a:schemeClr val="tx1"/>
+          </a:fontRef>
+        </p:style>
+      </p:cxnSp>
+      <p:cxnSp>
+        <p:nvCxnSpPr>
+          <p:cNvPr id="351" name="Straight Connector 350"/>
+          <p:cNvCxnSpPr/>
+          <p:nvPr/>
+        </p:nvCxnSpPr>
+        <p:spPr>
+          <a:xfrm>
+            <a:off x="6355050" y="9529744"/>
+            <a:ext cx="0" cy="805555"/>
+          </a:xfrm>
+          <a:prstGeom prst="line">
+            <a:avLst/>
+          </a:prstGeom>
+          <a:ln w="76200">
+            <a:solidFill>
+              <a:schemeClr val="tx1"/>
+            </a:solidFill>
+          </a:ln>
+        </p:spPr>
+        <p:style>
+          <a:lnRef idx="1">
+            <a:schemeClr val="dk1"/>
+          </a:lnRef>
+          <a:fillRef idx="0">
+            <a:schemeClr val="dk1"/>
+          </a:fillRef>
+          <a:effectRef idx="0">
+            <a:schemeClr val="dk1"/>
+          </a:effectRef>
+          <a:fontRef idx="minor">
+            <a:schemeClr val="tx1"/>
+          </a:fontRef>
+        </p:style>
+      </p:cxnSp>
+      <p:cxnSp>
+        <p:nvCxnSpPr>
+          <p:cNvPr id="352" name="Straight Connector 351"/>
+          <p:cNvCxnSpPr/>
+          <p:nvPr/>
+        </p:nvCxnSpPr>
+        <p:spPr>
+          <a:xfrm>
+            <a:off x="6724650" y="9529744"/>
+            <a:ext cx="0" cy="805555"/>
+          </a:xfrm>
+          <a:prstGeom prst="line">
+            <a:avLst/>
+          </a:prstGeom>
+          <a:ln w="76200">
+            <a:solidFill>
+              <a:srgbClr val="FF0000"/>
+            </a:solidFill>
+          </a:ln>
+        </p:spPr>
+        <p:style>
+          <a:lnRef idx="1">
+            <a:schemeClr val="dk1"/>
+          </a:lnRef>
+          <a:fillRef idx="0">
+            <a:schemeClr val="dk1"/>
+          </a:fillRef>
+          <a:effectRef idx="0">
+            <a:schemeClr val="dk1"/>
+          </a:effectRef>
+          <a:fontRef idx="minor">
+            <a:schemeClr val="tx1"/>
+          </a:fontRef>
+        </p:style>
+      </p:cxnSp>
+      <p:cxnSp>
+        <p:nvCxnSpPr>
+          <p:cNvPr id="353" name="Straight Connector 352"/>
+          <p:cNvCxnSpPr/>
+          <p:nvPr/>
+        </p:nvCxnSpPr>
+        <p:spPr>
+          <a:xfrm>
+            <a:off x="6990050" y="9529744"/>
+            <a:ext cx="0" cy="805555"/>
+          </a:xfrm>
+          <a:prstGeom prst="line">
+            <a:avLst/>
+          </a:prstGeom>
+          <a:ln w="76200">
+            <a:solidFill>
+              <a:schemeClr val="tx1"/>
+            </a:solidFill>
+          </a:ln>
+        </p:spPr>
+        <p:style>
+          <a:lnRef idx="1">
+            <a:schemeClr val="dk1"/>
+          </a:lnRef>
+          <a:fillRef idx="0">
+            <a:schemeClr val="dk1"/>
+          </a:fillRef>
+          <a:effectRef idx="0">
+            <a:schemeClr val="dk1"/>
+          </a:effectRef>
+          <a:fontRef idx="minor">
+            <a:schemeClr val="tx1"/>
+          </a:fontRef>
+        </p:style>
+      </p:cxnSp>
+      <p:cxnSp>
+        <p:nvCxnSpPr>
+          <p:cNvPr id="354" name="Straight Connector 353"/>
+          <p:cNvCxnSpPr/>
+          <p:nvPr/>
+        </p:nvCxnSpPr>
+        <p:spPr>
+          <a:xfrm>
+            <a:off x="4202210" y="11066444"/>
+            <a:ext cx="0" cy="1589107"/>
+          </a:xfrm>
+          <a:prstGeom prst="line">
+            <a:avLst/>
+          </a:prstGeom>
+          <a:ln w="76200">
+            <a:solidFill>
+              <a:schemeClr val="tx1"/>
+            </a:solidFill>
+          </a:ln>
+        </p:spPr>
+        <p:style>
+          <a:lnRef idx="1">
+            <a:schemeClr val="dk1"/>
+          </a:lnRef>
+          <a:fillRef idx="0">
+            <a:schemeClr val="dk1"/>
+          </a:fillRef>
+          <a:effectRef idx="0">
+            <a:schemeClr val="dk1"/>
+          </a:effectRef>
+          <a:fontRef idx="minor">
+            <a:schemeClr val="tx1"/>
+          </a:fontRef>
+        </p:style>
+      </p:cxnSp>
+      <p:cxnSp>
+        <p:nvCxnSpPr>
+          <p:cNvPr id="358" name="Straight Connector 357"/>
+          <p:cNvCxnSpPr/>
+          <p:nvPr/>
+        </p:nvCxnSpPr>
+        <p:spPr>
+          <a:xfrm>
+            <a:off x="3080729" y="11854647"/>
+            <a:ext cx="1160560" cy="12700"/>
+          </a:xfrm>
+          <a:prstGeom prst="line">
+            <a:avLst/>
+          </a:prstGeom>
+          <a:ln w="76200">
+            <a:solidFill>
+              <a:schemeClr val="tx1"/>
+            </a:solidFill>
+          </a:ln>
+        </p:spPr>
+        <p:style>
+          <a:lnRef idx="1">
+            <a:schemeClr val="dk1"/>
+          </a:lnRef>
+          <a:fillRef idx="0">
+            <a:schemeClr val="dk1"/>
+          </a:fillRef>
+          <a:effectRef idx="0">
+            <a:schemeClr val="dk1"/>
+          </a:effectRef>
+          <a:fontRef idx="minor">
+            <a:schemeClr val="tx1"/>
+          </a:fontRef>
+        </p:style>
+      </p:cxnSp>
+      <p:cxnSp>
+        <p:nvCxnSpPr>
+          <p:cNvPr id="360" name="Straight Connector 359"/>
+          <p:cNvCxnSpPr/>
+          <p:nvPr/>
+        </p:nvCxnSpPr>
+        <p:spPr>
+          <a:xfrm flipH="1">
+            <a:off x="3080729" y="11816547"/>
+            <a:ext cx="1" cy="292904"/>
+          </a:xfrm>
+          <a:prstGeom prst="line">
+            <a:avLst/>
+          </a:prstGeom>
+          <a:ln w="76200">
+            <a:solidFill>
+              <a:schemeClr val="tx1"/>
+            </a:solidFill>
+          </a:ln>
+        </p:spPr>
+        <p:style>
+          <a:lnRef idx="1">
+            <a:schemeClr val="dk1"/>
+          </a:lnRef>
+          <a:fillRef idx="0">
+            <a:schemeClr val="dk1"/>
+          </a:fillRef>
+          <a:effectRef idx="0">
+            <a:schemeClr val="dk1"/>
+          </a:effectRef>
+          <a:fontRef idx="minor">
+            <a:schemeClr val="tx1"/>
+          </a:fontRef>
+        </p:style>
+      </p:cxnSp>
+      <p:cxnSp>
+        <p:nvCxnSpPr>
+          <p:cNvPr id="363" name="Straight Connector 362"/>
+          <p:cNvCxnSpPr/>
+          <p:nvPr/>
+        </p:nvCxnSpPr>
+        <p:spPr>
+          <a:xfrm flipH="1">
+            <a:off x="2784419" y="12134851"/>
+            <a:ext cx="592619" cy="0"/>
+          </a:xfrm>
+          <a:prstGeom prst="line">
+            <a:avLst/>
+          </a:prstGeom>
+          <a:ln w="76200">
+            <a:solidFill>
+              <a:schemeClr val="tx1"/>
+            </a:solidFill>
+          </a:ln>
+        </p:spPr>
+        <p:style>
+          <a:lnRef idx="1">
+            <a:schemeClr val="dk1"/>
+          </a:lnRef>
+          <a:fillRef idx="0">
+            <a:schemeClr val="dk1"/>
+          </a:fillRef>
+          <a:effectRef idx="0">
+            <a:schemeClr val="dk1"/>
+          </a:effectRef>
+          <a:fontRef idx="minor">
+            <a:schemeClr val="tx1"/>
+          </a:fontRef>
+        </p:style>
+      </p:cxnSp>
+      <p:cxnSp>
+        <p:nvCxnSpPr>
+          <p:cNvPr id="365" name="Straight Connector 364"/>
+          <p:cNvCxnSpPr/>
+          <p:nvPr/>
+        </p:nvCxnSpPr>
+        <p:spPr>
+          <a:xfrm flipH="1">
+            <a:off x="2841674" y="12287251"/>
+            <a:ext cx="482241" cy="0"/>
+          </a:xfrm>
+          <a:prstGeom prst="line">
+            <a:avLst/>
+          </a:prstGeom>
+          <a:ln w="76200">
+            <a:solidFill>
+              <a:schemeClr val="tx1"/>
+            </a:solidFill>
+          </a:ln>
+        </p:spPr>
+        <p:style>
+          <a:lnRef idx="1">
+            <a:schemeClr val="dk1"/>
+          </a:lnRef>
+          <a:fillRef idx="0">
+            <a:schemeClr val="dk1"/>
+          </a:fillRef>
+          <a:effectRef idx="0">
+            <a:schemeClr val="dk1"/>
+          </a:effectRef>
+          <a:fontRef idx="minor">
+            <a:schemeClr val="tx1"/>
+          </a:fontRef>
+        </p:style>
+      </p:cxnSp>
+      <p:cxnSp>
+        <p:nvCxnSpPr>
+          <p:cNvPr id="368" name="Straight Connector 367"/>
+          <p:cNvCxnSpPr/>
+          <p:nvPr/>
+        </p:nvCxnSpPr>
+        <p:spPr>
+          <a:xfrm flipH="1">
+            <a:off x="2952750" y="12426951"/>
+            <a:ext cx="279400" cy="0"/>
+          </a:xfrm>
+          <a:prstGeom prst="line">
+            <a:avLst/>
+          </a:prstGeom>
+          <a:ln w="76200">
+            <a:solidFill>
+              <a:schemeClr val="tx1"/>
+            </a:solidFill>
+          </a:ln>
+        </p:spPr>
+        <p:style>
+          <a:lnRef idx="1">
+            <a:schemeClr val="dk1"/>
+          </a:lnRef>
+          <a:fillRef idx="0">
+            <a:schemeClr val="dk1"/>
+          </a:fillRef>
+          <a:effectRef idx="0">
+            <a:schemeClr val="dk1"/>
+          </a:effectRef>
+          <a:fontRef idx="minor">
+            <a:schemeClr val="tx1"/>
+          </a:fontRef>
+        </p:style>
+      </p:cxnSp>
+      <p:sp>
+        <p:nvSpPr>
+          <p:cNvPr id="371" name="TextBox 370"/>
+          <p:cNvSpPr txBox="1"/>
+          <p:nvPr/>
+        </p:nvSpPr>
+        <p:spPr>
+          <a:xfrm>
+            <a:off x="4255333" y="11483919"/>
+            <a:ext cx="4451891" cy="830997"/>
+          </a:xfrm>
+          <a:prstGeom prst="rect">
+            <a:avLst/>
+          </a:prstGeom>
+          <a:noFill/>
+        </p:spPr>
+        <p:txBody>
+          <a:bodyPr wrap="square" rtlCol="0">
+            <a:spAutoFit/>
+          </a:bodyPr>
+          <a:lstStyle/>
+          <a:p>
+            <a:r>
+              <a:rPr lang="en-US" sz="2400" dirty="0" smtClean="0">
+                <a:solidFill>
+                  <a:srgbClr val="FF0000"/>
+                </a:solidFill>
+              </a:rPr>
+              <a:t>Important: </a:t>
+            </a:r>
+            <a:r>
+              <a:rPr lang="en-US" sz="2400" dirty="0" err="1" smtClean="0"/>
+              <a:t>RAMBo</a:t>
+            </a:r>
+            <a:r>
+              <a:rPr lang="en-US" sz="2400" dirty="0" smtClean="0"/>
+              <a:t> and </a:t>
+            </a:r>
+            <a:r>
+              <a:rPr lang="en-US" sz="2400" dirty="0" err="1" smtClean="0"/>
+              <a:t>ShopBot</a:t>
+            </a:r>
+            <a:r>
+              <a:rPr lang="en-US" sz="2400" dirty="0" smtClean="0"/>
+              <a:t> need common ground  </a:t>
+            </a:r>
+            <a:endParaRPr lang="en-US" sz="2400" dirty="0"/>
+          </a:p>
+        </p:txBody>
+      </p:sp>
+      <p:sp>
+        <p:nvSpPr>
+          <p:cNvPr id="372" name="Rectangle 371"/>
+          <p:cNvSpPr/>
+          <p:nvPr/>
+        </p:nvSpPr>
+        <p:spPr>
+          <a:xfrm>
+            <a:off x="4168888" y="6810316"/>
+            <a:ext cx="1192127" cy="591324"/>
+          </a:xfrm>
+          <a:prstGeom prst="rect">
+            <a:avLst/>
+          </a:prstGeom>
+          <a:noFill/>
+          <a:ln w="57150">
+            <a:solidFill>
+              <a:srgbClr val="FFFF00"/>
+            </a:solidFill>
+          </a:ln>
+        </p:spPr>
+        <p:style>
+          <a:lnRef idx="2">
+            <a:schemeClr val="accent1">
+              <a:shade val="50000"/>
+            </a:schemeClr>
+          </a:lnRef>
+          <a:fillRef idx="1">
+            <a:schemeClr val="accent1"/>
+          </a:fillRef>
+          <a:effectRef idx="0">
+            <a:schemeClr val="accent1"/>
+          </a:effectRef>
+          <a:fontRef idx="minor">
+            <a:schemeClr val="lt1"/>
+          </a:fontRef>
+        </p:style>
+        <p:txBody>
+          <a:bodyPr rtlCol="0" anchor="ctr"/>
+          <a:lstStyle/>
+          <a:p>
+            <a:pPr algn="ctr"/>
+            <a:endParaRPr lang="en-US"/>
+          </a:p>
+        </p:txBody>
+      </p:sp>
+      <p:cxnSp>
+        <p:nvCxnSpPr>
+          <p:cNvPr id="374" name="Straight Arrow Connector 373"/>
+          <p:cNvCxnSpPr/>
+          <p:nvPr/>
+        </p:nvCxnSpPr>
+        <p:spPr>
+          <a:xfrm flipH="1">
+            <a:off x="1733550" y="7401640"/>
+            <a:ext cx="2400300" cy="2452596"/>
+          </a:xfrm>
+          <a:prstGeom prst="straightConnector1">
+            <a:avLst/>
+          </a:prstGeom>
+          <a:ln w="57150">
+            <a:solidFill>
+              <a:schemeClr val="tx1"/>
+            </a:solidFill>
+            <a:tailEnd type="triangle"/>
+          </a:ln>
+        </p:spPr>
+        <p:style>
+          <a:lnRef idx="1">
+            <a:schemeClr val="accent1"/>
+          </a:lnRef>
+          <a:fillRef idx="0">
+            <a:schemeClr val="accent1"/>
+          </a:fillRef>
+          <a:effectRef idx="0">
+            <a:schemeClr val="accent1"/>
+          </a:effectRef>
+          <a:fontRef idx="minor">
+            <a:schemeClr val="tx1"/>
+          </a:fontRef>
+        </p:style>
+      </p:cxnSp>
+      <p:sp>
+        <p:nvSpPr>
+          <p:cNvPr id="375" name="TextBox 374"/>
+          <p:cNvSpPr txBox="1"/>
+          <p:nvPr/>
+        </p:nvSpPr>
+        <p:spPr>
+          <a:xfrm>
+            <a:off x="398817" y="9440845"/>
+            <a:ext cx="1928181" cy="2751394"/>
+          </a:xfrm>
+          <a:prstGeom prst="rect">
+            <a:avLst/>
+          </a:prstGeom>
+          <a:noFill/>
+        </p:spPr>
+        <p:txBody>
+          <a:bodyPr wrap="square" rtlCol="0">
+            <a:spAutoFit/>
+          </a:bodyPr>
+          <a:lstStyle/>
+          <a:p>
+            <a:r>
+              <a:rPr lang="en-US" dirty="0" smtClean="0"/>
+              <a:t>See zoomed in view of motor </a:t>
+            </a:r>
+            <a:r>
+              <a:rPr lang="en-US" dirty="0" err="1" smtClean="0"/>
+              <a:t>ext</a:t>
+            </a:r>
+            <a:r>
+              <a:rPr lang="en-US" dirty="0" smtClean="0"/>
+              <a:t> pins</a:t>
             </a:r>
             <a:endParaRPr lang="en-US" dirty="0"/>
           </a:p>
